--- a/slides/instruction/principleWindows_4.pptx
+++ b/slides/instruction/principleWindows_4.pptx
@@ -4247,7 +4247,7 @@
           <a:p>
             <a:fld id="{62B690D2-9F6C-4A40-B045-5871089CDE7B}" type="datetimeFigureOut">
               <a:rPr lang="zh-CN" altLang="en-US" smtClean="0"/>
-              <a:t>2020/10/7</a:t>
+              <a:t>2021/10/12</a:t>
             </a:fld>
             <a:endParaRPr lang="zh-CN" altLang="en-US"/>
           </a:p>
@@ -7250,7 +7250,7 @@
           <a:p>
             <a:fld id="{F0A08C6D-CA89-457F-88D7-56281A3E4E44}" type="datetimeFigureOut">
               <a:rPr lang="zh-CN" altLang="en-US" smtClean="0"/>
-              <a:t>2020/10/7</a:t>
+              <a:t>2021/10/12</a:t>
             </a:fld>
             <a:endParaRPr lang="zh-CN" altLang="en-US"/>
           </a:p>
@@ -9033,7 +9033,7 @@
             <a:pPr lvl="0" algn="l"/>
             <a:r>
               <a:rPr lang="en-US" sz="1000" dirty="0"/>
-              <a:t>FALL 2020</a:t>
+              <a:t>FALL 2021</a:t>
             </a:r>
           </a:p>
         </p:txBody>
@@ -11847,7 +11847,7 @@
           <a:graphicData uri="http://schemas.openxmlformats.org/presentationml/2006/ole">
             <mc:AlternateContent xmlns:mc="http://schemas.openxmlformats.org/markup-compatibility/2006">
               <mc:Choice xmlns:v="urn:schemas-microsoft-com:vml" Requires="v">
-                <p:oleObj spid="_x0000_s1092" name="Photo Editor 照片" r:id="rId3" imgW="3467584" imgH="2000000" progId="MSPhotoEd.3">
+                <p:oleObj spid="_x0000_s1095" name="Photo Editor 照片" r:id="rId3" imgW="3467584" imgH="2000000" progId="MSPhotoEd.3">
                   <p:embed/>
                 </p:oleObj>
               </mc:Choice>
@@ -17453,7 +17453,7 @@
           <a:graphicData uri="http://schemas.openxmlformats.org/presentationml/2006/ole">
             <mc:AlternateContent xmlns:mc="http://schemas.openxmlformats.org/markup-compatibility/2006">
               <mc:Choice xmlns:v="urn:schemas-microsoft-com:vml" Requires="v">
-                <p:oleObj spid="_x0000_s2116" name="Photo Editor 照片" r:id="rId3" imgW="5249008" imgH="2085714" progId="MSPhotoEd.3">
+                <p:oleObj spid="_x0000_s2119" name="Photo Editor 照片" r:id="rId3" imgW="5249008" imgH="2085714" progId="MSPhotoEd.3">
                   <p:embed/>
                 </p:oleObj>
               </mc:Choice>
@@ -20236,7 +20236,7 @@
           <a:graphicData uri="http://schemas.openxmlformats.org/presentationml/2006/ole">
             <mc:AlternateContent xmlns:mc="http://schemas.openxmlformats.org/markup-compatibility/2006">
               <mc:Choice xmlns:v="urn:schemas-microsoft-com:vml" Requires="v">
-                <p:oleObj spid="_x0000_s3139" name="Photo Editor 照片" r:id="rId3" imgW="6238095" imgH="8152381" progId="MSPhotoEd.3">
+                <p:oleObj spid="_x0000_s3142" name="Photo Editor 照片" r:id="rId3" imgW="6238095" imgH="8152381" progId="MSPhotoEd.3">
                   <p:embed/>
                 </p:oleObj>
               </mc:Choice>
@@ -21779,7 +21779,7 @@
           <a:graphicData uri="http://schemas.openxmlformats.org/presentationml/2006/ole">
             <mc:AlternateContent xmlns:mc="http://schemas.openxmlformats.org/markup-compatibility/2006">
               <mc:Choice xmlns:v="urn:schemas-microsoft-com:vml" Requires="v">
-                <p:oleObj spid="_x0000_s4163" name="Photo Editor 照片" r:id="rId3" imgW="5076190" imgH="3820058" progId="MSPhotoEd.3">
+                <p:oleObj spid="_x0000_s4166" name="Photo Editor 照片" r:id="rId3" imgW="5076190" imgH="3820058" progId="MSPhotoEd.3">
                   <p:embed/>
                 </p:oleObj>
               </mc:Choice>
@@ -46062,6 +46062,46 @@
           </a:prstGeom>
         </p:spPr>
       </p:pic>
+      <p:sp>
+        <p:nvSpPr>
+          <p:cNvPr id="2" name="矩形 1">
+            <a:extLst>
+              <a:ext uri="{FF2B5EF4-FFF2-40B4-BE49-F238E27FC236}">
+                <a16:creationId xmlns:a16="http://schemas.microsoft.com/office/drawing/2014/main" id="{61159FEB-664B-4F38-8C1D-13AF5865C60E}"/>
+              </a:ext>
+            </a:extLst>
+          </p:cNvPr>
+          <p:cNvSpPr/>
+          <p:nvPr/>
+        </p:nvSpPr>
+        <p:spPr>
+          <a:xfrm>
+            <a:off x="3048000" y="6313954"/>
+            <a:ext cx="7894572" cy="435312"/>
+          </a:xfrm>
+          <a:prstGeom prst="rect">
+            <a:avLst/>
+          </a:prstGeom>
+        </p:spPr>
+        <p:txBody>
+          <a:bodyPr wrap="square">
+            <a:spAutoFit/>
+          </a:bodyPr>
+          <a:lstStyle/>
+          <a:p>
+            <a:pPr algn="l"/>
+            <a:r>
+              <a:rPr lang="en-US" altLang="zh-CN" sz="2000" b="0" dirty="0">
+                <a:latin typeface="Consolas" panose="020B0609020204030204" pitchFamily="49" charset="0"/>
+              </a:rPr>
+              <a:t>https://docs.microsoft.com/en-us/sysinternals/</a:t>
+            </a:r>
+            <a:endParaRPr lang="zh-CN" altLang="en-US" sz="2000" b="0" dirty="0">
+              <a:latin typeface="Consolas" panose="020B0609020204030204" pitchFamily="49" charset="0"/>
+            </a:endParaRPr>
+          </a:p>
+        </p:txBody>
+      </p:sp>
     </p:spTree>
     <p:extLst>
       <p:ext uri="{BB962C8B-B14F-4D97-AF65-F5344CB8AC3E}">
